--- a/Project/Практика_2023.Презентация.pptx
+++ b/Project/Практика_2023.Презентация.pptx
@@ -3796,10 +3796,10 @@
       </p:sp>
       <p:pic>
         <p:nvPicPr>
-          <p:cNvPr id="1028" name="Picture 4" descr="Боль в спине ">
-            <a:extLst>
-              <a:ext uri="{FF2B5EF4-FFF2-40B4-BE49-F238E27FC236}">
-                <a16:creationId xmlns:a16="http://schemas.microsoft.com/office/drawing/2014/main" id="{42742AD7-F943-46A1-A8E1-394843DB8EA2}"/>
+          <p:cNvPr id="1032" name="Picture 8" descr="Школьник ">
+            <a:extLst>
+              <a:ext uri="{FF2B5EF4-FFF2-40B4-BE49-F238E27FC236}">
+                <a16:creationId xmlns:a16="http://schemas.microsoft.com/office/drawing/2014/main" id="{104E7E97-7C8D-4836-839E-F4960F4D455D}"/>
               </a:ext>
             </a:extLst>
           </p:cNvPr>
@@ -3810,53 +3810,6 @@
         </p:nvPicPr>
         <p:blipFill>
           <a:blip r:embed="rId2">
-            <a:extLst>
-              <a:ext uri="{28A0092B-C50C-407E-A947-70E740481C1C}">
-                <a14:useLocalDpi xmlns:a14="http://schemas.microsoft.com/office/drawing/2010/main" val="0"/>
-              </a:ext>
-            </a:extLst>
-          </a:blip>
-          <a:srcRect/>
-          <a:stretch>
-            <a:fillRect/>
-          </a:stretch>
-        </p:blipFill>
-        <p:spPr bwMode="auto">
-          <a:xfrm>
-            <a:off x="624395" y="5076546"/>
-            <a:ext cx="1799209" cy="1799209"/>
-          </a:xfrm>
-          <a:prstGeom prst="rect">
-            <a:avLst/>
-          </a:prstGeom>
-          <a:noFill/>
-          <a:extLst>
-            <a:ext uri="{909E8E84-426E-40DD-AFC4-6F175D3DCCD1}">
-              <a14:hiddenFill xmlns:a14="http://schemas.microsoft.com/office/drawing/2010/main">
-                <a:solidFill>
-                  <a:srgbClr val="FFFFFF"/>
-                </a:solidFill>
-              </a14:hiddenFill>
-            </a:ext>
-          </a:extLst>
-        </p:spPr>
-      </p:pic>
-      <p:pic>
-        <p:nvPicPr>
-          <p:cNvPr id="1032" name="Picture 8" descr="Школьник ">
-            <a:extLst>
-              <a:ext uri="{FF2B5EF4-FFF2-40B4-BE49-F238E27FC236}">
-                <a16:creationId xmlns:a16="http://schemas.microsoft.com/office/drawing/2014/main" id="{104E7E97-7C8D-4836-839E-F4960F4D455D}"/>
-              </a:ext>
-            </a:extLst>
-          </p:cNvPr>
-          <p:cNvPicPr>
-            <a:picLocks noChangeAspect="1" noChangeArrowheads="1"/>
-          </p:cNvPicPr>
-          <p:nvPr/>
-        </p:nvPicPr>
-        <p:blipFill>
-          <a:blip r:embed="rId3">
             <a:extLst>
               <a:ext uri="{28A0092B-C50C-407E-A947-70E740481C1C}">
                 <a14:useLocalDpi xmlns:a14="http://schemas.microsoft.com/office/drawing/2010/main" val="0"/>
@@ -3886,6 +3839,42 @@
               </a14:hiddenFill>
             </a:ext>
           </a:extLst>
+        </p:spPr>
+      </p:pic>
+      <p:pic>
+        <p:nvPicPr>
+          <p:cNvPr id="5" name="Рисунок 4">
+            <a:extLst>
+              <a:ext uri="{FF2B5EF4-FFF2-40B4-BE49-F238E27FC236}">
+                <a16:creationId xmlns:a16="http://schemas.microsoft.com/office/drawing/2014/main" id="{AB3D3695-D140-4385-90D7-3E4BD9904392}"/>
+              </a:ext>
+            </a:extLst>
+          </p:cNvPr>
+          <p:cNvPicPr>
+            <a:picLocks noChangeAspect="1"/>
+          </p:cNvPicPr>
+          <p:nvPr/>
+        </p:nvPicPr>
+        <p:blipFill>
+          <a:blip r:embed="rId3">
+            <a:extLst>
+              <a:ext uri="{28A0092B-C50C-407E-A947-70E740481C1C}">
+                <a14:useLocalDpi xmlns:a14="http://schemas.microsoft.com/office/drawing/2010/main" val="0"/>
+              </a:ext>
+            </a:extLst>
+          </a:blip>
+          <a:stretch>
+            <a:fillRect/>
+          </a:stretch>
+        </p:blipFill>
+        <p:spPr>
+          <a:xfrm>
+            <a:off x="666131" y="4612255"/>
+            <a:ext cx="2263500" cy="2263500"/>
+          </a:xfrm>
+          <a:prstGeom prst="rect">
+            <a:avLst/>
+          </a:prstGeom>
         </p:spPr>
       </p:pic>
     </p:spTree>
